--- a/ppt 16-9/1466.受洗.pptx
+++ b/ppt 16-9/1466.受洗.pptx
@@ -129,7 +129,7 @@
           <p:cNvPr id="2" name="标题 1">
             <a:extLst>
               <a:ext uri="{FF2B5EF4-FFF2-40B4-BE49-F238E27FC236}">
-                <a16:creationId xmlns:a16="http://schemas.microsoft.com/office/drawing/2014/main" id="{C4412EA3-33DD-FAD7-7109-115EB2D66A5E}"/>
+                <a16:creationId xmlns:a16="http://schemas.microsoft.com/office/drawing/2014/main" id="{C65BA545-333A-8B63-876A-DCA7706857BC}"/>
               </a:ext>
             </a:extLst>
           </p:cNvPr>
@@ -166,7 +166,7 @@
           <p:cNvPr id="3" name="副标题 2">
             <a:extLst>
               <a:ext uri="{FF2B5EF4-FFF2-40B4-BE49-F238E27FC236}">
-                <a16:creationId xmlns:a16="http://schemas.microsoft.com/office/drawing/2014/main" id="{9EC8493C-59F2-5E5D-2D03-2BBCBFCCD2DF}"/>
+                <a16:creationId xmlns:a16="http://schemas.microsoft.com/office/drawing/2014/main" id="{54280EE0-AA68-76CF-75BA-B410D5E6437E}"/>
               </a:ext>
             </a:extLst>
           </p:cNvPr>
@@ -236,7 +236,7 @@
           <p:cNvPr id="4" name="日期占位符 3">
             <a:extLst>
               <a:ext uri="{FF2B5EF4-FFF2-40B4-BE49-F238E27FC236}">
-                <a16:creationId xmlns:a16="http://schemas.microsoft.com/office/drawing/2014/main" id="{8BE1DDA8-048E-6461-C89F-825EAC2CC46E}"/>
+                <a16:creationId xmlns:a16="http://schemas.microsoft.com/office/drawing/2014/main" id="{2ACC929C-5498-C3B8-E0AB-67C0C9216E1F}"/>
               </a:ext>
             </a:extLst>
           </p:cNvPr>
@@ -252,7 +252,7 @@
           <a:bodyPr/>
           <a:lstStyle/>
           <a:p>
-            <a:fld id="{CEB0F452-9600-4DD7-B609-0DB4B7EDAC1D}" type="datetimeFigureOut">
+            <a:fld id="{9661A6F3-4359-4611-A5F0-0784E6A2370D}" type="datetimeFigureOut">
               <a:rPr lang="zh-CN" altLang="en-US" smtClean="0"/>
               <a:t>2024/3/10</a:t>
             </a:fld>
@@ -265,7 +265,7 @@
           <p:cNvPr id="5" name="页脚占位符 4">
             <a:extLst>
               <a:ext uri="{FF2B5EF4-FFF2-40B4-BE49-F238E27FC236}">
-                <a16:creationId xmlns:a16="http://schemas.microsoft.com/office/drawing/2014/main" id="{EAB9B558-2433-020A-07A5-DA9525425AED}"/>
+                <a16:creationId xmlns:a16="http://schemas.microsoft.com/office/drawing/2014/main" id="{EB5ED71C-F052-B41C-02A1-409F56846A88}"/>
               </a:ext>
             </a:extLst>
           </p:cNvPr>
@@ -290,7 +290,7 @@
           <p:cNvPr id="6" name="灯片编号占位符 5">
             <a:extLst>
               <a:ext uri="{FF2B5EF4-FFF2-40B4-BE49-F238E27FC236}">
-                <a16:creationId xmlns:a16="http://schemas.microsoft.com/office/drawing/2014/main" id="{BE7096B6-218B-AA82-C05A-DEB125389205}"/>
+                <a16:creationId xmlns:a16="http://schemas.microsoft.com/office/drawing/2014/main" id="{8FF1669D-B8C6-C892-5494-4989C9691EE3}"/>
               </a:ext>
             </a:extLst>
           </p:cNvPr>
@@ -306,7 +306,7 @@
           <a:bodyPr/>
           <a:lstStyle/>
           <a:p>
-            <a:fld id="{683094CB-5125-4CD9-867F-DA504EFC3988}" type="slidenum">
+            <a:fld id="{9DADFD1E-FF87-432E-BDB7-998FD09003B5}" type="slidenum">
               <a:rPr lang="zh-CN" altLang="en-US" smtClean="0"/>
               <a:t>‹#›</a:t>
             </a:fld>
@@ -317,7 +317,7 @@
     </p:spTree>
     <p:extLst>
       <p:ext uri="{BB962C8B-B14F-4D97-AF65-F5344CB8AC3E}">
-        <p14:creationId xmlns:p14="http://schemas.microsoft.com/office/powerpoint/2010/main" val="1748153135"/>
+        <p14:creationId xmlns:p14="http://schemas.microsoft.com/office/powerpoint/2010/main" val="2626648713"/>
       </p:ext>
     </p:extLst>
   </p:cSld>
@@ -349,7 +349,7 @@
           <p:cNvPr id="2" name="标题 1">
             <a:extLst>
               <a:ext uri="{FF2B5EF4-FFF2-40B4-BE49-F238E27FC236}">
-                <a16:creationId xmlns:a16="http://schemas.microsoft.com/office/drawing/2014/main" id="{650AF5FA-4D6D-A43E-5625-5DE043AC9A47}"/>
+                <a16:creationId xmlns:a16="http://schemas.microsoft.com/office/drawing/2014/main" id="{EE99A775-F123-F000-F8F2-77242EC0FC1B}"/>
               </a:ext>
             </a:extLst>
           </p:cNvPr>
@@ -377,7 +377,7 @@
           <p:cNvPr id="3" name="竖排文字占位符 2">
             <a:extLst>
               <a:ext uri="{FF2B5EF4-FFF2-40B4-BE49-F238E27FC236}">
-                <a16:creationId xmlns:a16="http://schemas.microsoft.com/office/drawing/2014/main" id="{3A2B45C4-CCAF-F58F-C122-968F24E8726C}"/>
+                <a16:creationId xmlns:a16="http://schemas.microsoft.com/office/drawing/2014/main" id="{594B16B9-FE89-5333-9196-099AA3A939DA}"/>
               </a:ext>
             </a:extLst>
           </p:cNvPr>
@@ -434,7 +434,7 @@
           <p:cNvPr id="4" name="日期占位符 3">
             <a:extLst>
               <a:ext uri="{FF2B5EF4-FFF2-40B4-BE49-F238E27FC236}">
-                <a16:creationId xmlns:a16="http://schemas.microsoft.com/office/drawing/2014/main" id="{DA230E34-3B8F-71EE-1A3C-891108BD8DB2}"/>
+                <a16:creationId xmlns:a16="http://schemas.microsoft.com/office/drawing/2014/main" id="{B0E23D94-0CC0-94D0-ED97-85A0346A3FB7}"/>
               </a:ext>
             </a:extLst>
           </p:cNvPr>
@@ -450,7 +450,7 @@
           <a:bodyPr/>
           <a:lstStyle/>
           <a:p>
-            <a:fld id="{CEB0F452-9600-4DD7-B609-0DB4B7EDAC1D}" type="datetimeFigureOut">
+            <a:fld id="{9661A6F3-4359-4611-A5F0-0784E6A2370D}" type="datetimeFigureOut">
               <a:rPr lang="zh-CN" altLang="en-US" smtClean="0"/>
               <a:t>2024/3/10</a:t>
             </a:fld>
@@ -463,7 +463,7 @@
           <p:cNvPr id="5" name="页脚占位符 4">
             <a:extLst>
               <a:ext uri="{FF2B5EF4-FFF2-40B4-BE49-F238E27FC236}">
-                <a16:creationId xmlns:a16="http://schemas.microsoft.com/office/drawing/2014/main" id="{CFB92350-5348-A926-2417-BEB11DB51F2D}"/>
+                <a16:creationId xmlns:a16="http://schemas.microsoft.com/office/drawing/2014/main" id="{E4A77B5B-9531-30B2-2D74-E503FCA10B03}"/>
               </a:ext>
             </a:extLst>
           </p:cNvPr>
@@ -488,7 +488,7 @@
           <p:cNvPr id="6" name="灯片编号占位符 5">
             <a:extLst>
               <a:ext uri="{FF2B5EF4-FFF2-40B4-BE49-F238E27FC236}">
-                <a16:creationId xmlns:a16="http://schemas.microsoft.com/office/drawing/2014/main" id="{E2C53FA3-5ED7-BA76-848D-CAE67E7887B8}"/>
+                <a16:creationId xmlns:a16="http://schemas.microsoft.com/office/drawing/2014/main" id="{8B9D7FD2-C157-2F2E-B71A-2E26679DC4DF}"/>
               </a:ext>
             </a:extLst>
           </p:cNvPr>
@@ -504,7 +504,7 @@
           <a:bodyPr/>
           <a:lstStyle/>
           <a:p>
-            <a:fld id="{683094CB-5125-4CD9-867F-DA504EFC3988}" type="slidenum">
+            <a:fld id="{9DADFD1E-FF87-432E-BDB7-998FD09003B5}" type="slidenum">
               <a:rPr lang="zh-CN" altLang="en-US" smtClean="0"/>
               <a:t>‹#›</a:t>
             </a:fld>
@@ -515,7 +515,7 @@
     </p:spTree>
     <p:extLst>
       <p:ext uri="{BB962C8B-B14F-4D97-AF65-F5344CB8AC3E}">
-        <p14:creationId xmlns:p14="http://schemas.microsoft.com/office/powerpoint/2010/main" val="158826266"/>
+        <p14:creationId xmlns:p14="http://schemas.microsoft.com/office/powerpoint/2010/main" val="1326936939"/>
       </p:ext>
     </p:extLst>
   </p:cSld>
@@ -547,7 +547,7 @@
           <p:cNvPr id="2" name="竖排标题 1">
             <a:extLst>
               <a:ext uri="{FF2B5EF4-FFF2-40B4-BE49-F238E27FC236}">
-                <a16:creationId xmlns:a16="http://schemas.microsoft.com/office/drawing/2014/main" id="{AC92C29B-42D3-89DD-3242-DF2275B9D322}"/>
+                <a16:creationId xmlns:a16="http://schemas.microsoft.com/office/drawing/2014/main" id="{2944EBFF-D808-7627-5356-C96073796A4B}"/>
               </a:ext>
             </a:extLst>
           </p:cNvPr>
@@ -580,7 +580,7 @@
           <p:cNvPr id="3" name="竖排文字占位符 2">
             <a:extLst>
               <a:ext uri="{FF2B5EF4-FFF2-40B4-BE49-F238E27FC236}">
-                <a16:creationId xmlns:a16="http://schemas.microsoft.com/office/drawing/2014/main" id="{B09BD6F4-E394-6946-E6AC-932C4A55F696}"/>
+                <a16:creationId xmlns:a16="http://schemas.microsoft.com/office/drawing/2014/main" id="{01EAB0F8-6F36-127C-EF34-7FDD7BD6B4DF}"/>
               </a:ext>
             </a:extLst>
           </p:cNvPr>
@@ -642,7 +642,7 @@
           <p:cNvPr id="4" name="日期占位符 3">
             <a:extLst>
               <a:ext uri="{FF2B5EF4-FFF2-40B4-BE49-F238E27FC236}">
-                <a16:creationId xmlns:a16="http://schemas.microsoft.com/office/drawing/2014/main" id="{844F7B60-9D65-9AAB-5F44-1F7D1C6F4241}"/>
+                <a16:creationId xmlns:a16="http://schemas.microsoft.com/office/drawing/2014/main" id="{123194C0-5299-61FA-F4AB-AF834A12E863}"/>
               </a:ext>
             </a:extLst>
           </p:cNvPr>
@@ -658,7 +658,7 @@
           <a:bodyPr/>
           <a:lstStyle/>
           <a:p>
-            <a:fld id="{CEB0F452-9600-4DD7-B609-0DB4B7EDAC1D}" type="datetimeFigureOut">
+            <a:fld id="{9661A6F3-4359-4611-A5F0-0784E6A2370D}" type="datetimeFigureOut">
               <a:rPr lang="zh-CN" altLang="en-US" smtClean="0"/>
               <a:t>2024/3/10</a:t>
             </a:fld>
@@ -671,7 +671,7 @@
           <p:cNvPr id="5" name="页脚占位符 4">
             <a:extLst>
               <a:ext uri="{FF2B5EF4-FFF2-40B4-BE49-F238E27FC236}">
-                <a16:creationId xmlns:a16="http://schemas.microsoft.com/office/drawing/2014/main" id="{BD6F26E8-5EF6-3542-1EF6-9EF42A50EEC0}"/>
+                <a16:creationId xmlns:a16="http://schemas.microsoft.com/office/drawing/2014/main" id="{A0ED5842-AA37-262F-D6E3-E7BB35B930C9}"/>
               </a:ext>
             </a:extLst>
           </p:cNvPr>
@@ -696,7 +696,7 @@
           <p:cNvPr id="6" name="灯片编号占位符 5">
             <a:extLst>
               <a:ext uri="{FF2B5EF4-FFF2-40B4-BE49-F238E27FC236}">
-                <a16:creationId xmlns:a16="http://schemas.microsoft.com/office/drawing/2014/main" id="{A53356B3-DA4C-C30E-7E7A-FD4332BF658F}"/>
+                <a16:creationId xmlns:a16="http://schemas.microsoft.com/office/drawing/2014/main" id="{8BD29D7D-C221-9782-FC34-E3CBDD164ACE}"/>
               </a:ext>
             </a:extLst>
           </p:cNvPr>
@@ -712,7 +712,7 @@
           <a:bodyPr/>
           <a:lstStyle/>
           <a:p>
-            <a:fld id="{683094CB-5125-4CD9-867F-DA504EFC3988}" type="slidenum">
+            <a:fld id="{9DADFD1E-FF87-432E-BDB7-998FD09003B5}" type="slidenum">
               <a:rPr lang="zh-CN" altLang="en-US" smtClean="0"/>
               <a:t>‹#›</a:t>
             </a:fld>
@@ -723,7 +723,7 @@
     </p:spTree>
     <p:extLst>
       <p:ext uri="{BB962C8B-B14F-4D97-AF65-F5344CB8AC3E}">
-        <p14:creationId xmlns:p14="http://schemas.microsoft.com/office/powerpoint/2010/main" val="3135582092"/>
+        <p14:creationId xmlns:p14="http://schemas.microsoft.com/office/powerpoint/2010/main" val="1137423165"/>
       </p:ext>
     </p:extLst>
   </p:cSld>
@@ -755,7 +755,7 @@
           <p:cNvPr id="2" name="标题 1">
             <a:extLst>
               <a:ext uri="{FF2B5EF4-FFF2-40B4-BE49-F238E27FC236}">
-                <a16:creationId xmlns:a16="http://schemas.microsoft.com/office/drawing/2014/main" id="{FB26CB11-7D44-29B6-528C-E2C17D7561BB}"/>
+                <a16:creationId xmlns:a16="http://schemas.microsoft.com/office/drawing/2014/main" id="{124B2301-436F-C212-2CCE-AF2E28013FED}"/>
               </a:ext>
             </a:extLst>
           </p:cNvPr>
@@ -783,7 +783,7 @@
           <p:cNvPr id="3" name="内容占位符 2">
             <a:extLst>
               <a:ext uri="{FF2B5EF4-FFF2-40B4-BE49-F238E27FC236}">
-                <a16:creationId xmlns:a16="http://schemas.microsoft.com/office/drawing/2014/main" id="{7809ACAA-88FF-1896-B729-2D17E58F6881}"/>
+                <a16:creationId xmlns:a16="http://schemas.microsoft.com/office/drawing/2014/main" id="{CDCD8829-4610-363A-835C-2282D578C680}"/>
               </a:ext>
             </a:extLst>
           </p:cNvPr>
@@ -840,7 +840,7 @@
           <p:cNvPr id="4" name="日期占位符 3">
             <a:extLst>
               <a:ext uri="{FF2B5EF4-FFF2-40B4-BE49-F238E27FC236}">
-                <a16:creationId xmlns:a16="http://schemas.microsoft.com/office/drawing/2014/main" id="{C409AF93-F2A6-2121-BD69-C91526449EAD}"/>
+                <a16:creationId xmlns:a16="http://schemas.microsoft.com/office/drawing/2014/main" id="{1FFCAD7E-96FF-E859-31E8-84E6D3B59F87}"/>
               </a:ext>
             </a:extLst>
           </p:cNvPr>
@@ -856,7 +856,7 @@
           <a:bodyPr/>
           <a:lstStyle/>
           <a:p>
-            <a:fld id="{CEB0F452-9600-4DD7-B609-0DB4B7EDAC1D}" type="datetimeFigureOut">
+            <a:fld id="{9661A6F3-4359-4611-A5F0-0784E6A2370D}" type="datetimeFigureOut">
               <a:rPr lang="zh-CN" altLang="en-US" smtClean="0"/>
               <a:t>2024/3/10</a:t>
             </a:fld>
@@ -869,7 +869,7 @@
           <p:cNvPr id="5" name="页脚占位符 4">
             <a:extLst>
               <a:ext uri="{FF2B5EF4-FFF2-40B4-BE49-F238E27FC236}">
-                <a16:creationId xmlns:a16="http://schemas.microsoft.com/office/drawing/2014/main" id="{D1FD027C-D200-0FC3-6457-B45FFB0CAE4E}"/>
+                <a16:creationId xmlns:a16="http://schemas.microsoft.com/office/drawing/2014/main" id="{62327236-C544-9B17-B9CC-1A27D3A39C9B}"/>
               </a:ext>
             </a:extLst>
           </p:cNvPr>
@@ -894,7 +894,7 @@
           <p:cNvPr id="6" name="灯片编号占位符 5">
             <a:extLst>
               <a:ext uri="{FF2B5EF4-FFF2-40B4-BE49-F238E27FC236}">
-                <a16:creationId xmlns:a16="http://schemas.microsoft.com/office/drawing/2014/main" id="{B264528F-BD90-5CE2-8FAF-D6B3A0F5985F}"/>
+                <a16:creationId xmlns:a16="http://schemas.microsoft.com/office/drawing/2014/main" id="{4B404827-9D67-89F4-57BE-F96545807D21}"/>
               </a:ext>
             </a:extLst>
           </p:cNvPr>
@@ -910,7 +910,7 @@
           <a:bodyPr/>
           <a:lstStyle/>
           <a:p>
-            <a:fld id="{683094CB-5125-4CD9-867F-DA504EFC3988}" type="slidenum">
+            <a:fld id="{9DADFD1E-FF87-432E-BDB7-998FD09003B5}" type="slidenum">
               <a:rPr lang="zh-CN" altLang="en-US" smtClean="0"/>
               <a:t>‹#›</a:t>
             </a:fld>
@@ -921,7 +921,7 @@
     </p:spTree>
     <p:extLst>
       <p:ext uri="{BB962C8B-B14F-4D97-AF65-F5344CB8AC3E}">
-        <p14:creationId xmlns:p14="http://schemas.microsoft.com/office/powerpoint/2010/main" val="629903633"/>
+        <p14:creationId xmlns:p14="http://schemas.microsoft.com/office/powerpoint/2010/main" val="3097707660"/>
       </p:ext>
     </p:extLst>
   </p:cSld>
@@ -953,7 +953,7 @@
           <p:cNvPr id="2" name="标题 1">
             <a:extLst>
               <a:ext uri="{FF2B5EF4-FFF2-40B4-BE49-F238E27FC236}">
-                <a16:creationId xmlns:a16="http://schemas.microsoft.com/office/drawing/2014/main" id="{91028625-3E33-0814-894C-A8E2D217E64E}"/>
+                <a16:creationId xmlns:a16="http://schemas.microsoft.com/office/drawing/2014/main" id="{73114748-004A-BE66-3B84-1C40341C8BE4}"/>
               </a:ext>
             </a:extLst>
           </p:cNvPr>
@@ -990,7 +990,7 @@
           <p:cNvPr id="3" name="文本占位符 2">
             <a:extLst>
               <a:ext uri="{FF2B5EF4-FFF2-40B4-BE49-F238E27FC236}">
-                <a16:creationId xmlns:a16="http://schemas.microsoft.com/office/drawing/2014/main" id="{449C5D90-8DD6-40B3-C87F-2031444AAFCD}"/>
+                <a16:creationId xmlns:a16="http://schemas.microsoft.com/office/drawing/2014/main" id="{3D2DD492-2967-90B6-F256-7F179DB200BE}"/>
               </a:ext>
             </a:extLst>
           </p:cNvPr>
@@ -1115,7 +1115,7 @@
           <p:cNvPr id="4" name="日期占位符 3">
             <a:extLst>
               <a:ext uri="{FF2B5EF4-FFF2-40B4-BE49-F238E27FC236}">
-                <a16:creationId xmlns:a16="http://schemas.microsoft.com/office/drawing/2014/main" id="{F163EB6B-B3DC-DA65-023B-1744F01C0194}"/>
+                <a16:creationId xmlns:a16="http://schemas.microsoft.com/office/drawing/2014/main" id="{6030349A-880B-3BCC-8B8E-C516B57ACD36}"/>
               </a:ext>
             </a:extLst>
           </p:cNvPr>
@@ -1131,7 +1131,7 @@
           <a:bodyPr/>
           <a:lstStyle/>
           <a:p>
-            <a:fld id="{CEB0F452-9600-4DD7-B609-0DB4B7EDAC1D}" type="datetimeFigureOut">
+            <a:fld id="{9661A6F3-4359-4611-A5F0-0784E6A2370D}" type="datetimeFigureOut">
               <a:rPr lang="zh-CN" altLang="en-US" smtClean="0"/>
               <a:t>2024/3/10</a:t>
             </a:fld>
@@ -1144,7 +1144,7 @@
           <p:cNvPr id="5" name="页脚占位符 4">
             <a:extLst>
               <a:ext uri="{FF2B5EF4-FFF2-40B4-BE49-F238E27FC236}">
-                <a16:creationId xmlns:a16="http://schemas.microsoft.com/office/drawing/2014/main" id="{00BD743D-0DD9-0B02-A897-ABFCBA128EF9}"/>
+                <a16:creationId xmlns:a16="http://schemas.microsoft.com/office/drawing/2014/main" id="{4745ED18-BBA5-CB4E-5BCC-95957A566096}"/>
               </a:ext>
             </a:extLst>
           </p:cNvPr>
@@ -1169,7 +1169,7 @@
           <p:cNvPr id="6" name="灯片编号占位符 5">
             <a:extLst>
               <a:ext uri="{FF2B5EF4-FFF2-40B4-BE49-F238E27FC236}">
-                <a16:creationId xmlns:a16="http://schemas.microsoft.com/office/drawing/2014/main" id="{B4AD3BA0-693B-E207-AB5A-F291A272569C}"/>
+                <a16:creationId xmlns:a16="http://schemas.microsoft.com/office/drawing/2014/main" id="{DD73169B-5DEA-4CC6-4F47-2BCC0DDB7400}"/>
               </a:ext>
             </a:extLst>
           </p:cNvPr>
@@ -1185,7 +1185,7 @@
           <a:bodyPr/>
           <a:lstStyle/>
           <a:p>
-            <a:fld id="{683094CB-5125-4CD9-867F-DA504EFC3988}" type="slidenum">
+            <a:fld id="{9DADFD1E-FF87-432E-BDB7-998FD09003B5}" type="slidenum">
               <a:rPr lang="zh-CN" altLang="en-US" smtClean="0"/>
               <a:t>‹#›</a:t>
             </a:fld>
@@ -1196,7 +1196,7 @@
     </p:spTree>
     <p:extLst>
       <p:ext uri="{BB962C8B-B14F-4D97-AF65-F5344CB8AC3E}">
-        <p14:creationId xmlns:p14="http://schemas.microsoft.com/office/powerpoint/2010/main" val="239505162"/>
+        <p14:creationId xmlns:p14="http://schemas.microsoft.com/office/powerpoint/2010/main" val="4189176476"/>
       </p:ext>
     </p:extLst>
   </p:cSld>
@@ -1228,7 +1228,7 @@
           <p:cNvPr id="2" name="标题 1">
             <a:extLst>
               <a:ext uri="{FF2B5EF4-FFF2-40B4-BE49-F238E27FC236}">
-                <a16:creationId xmlns:a16="http://schemas.microsoft.com/office/drawing/2014/main" id="{F30CCC86-6E8F-F9A5-13AD-BB3211296EF9}"/>
+                <a16:creationId xmlns:a16="http://schemas.microsoft.com/office/drawing/2014/main" id="{6BD23A91-C27D-7C3A-617B-7F634EC287EC}"/>
               </a:ext>
             </a:extLst>
           </p:cNvPr>
@@ -1256,7 +1256,7 @@
           <p:cNvPr id="3" name="内容占位符 2">
             <a:extLst>
               <a:ext uri="{FF2B5EF4-FFF2-40B4-BE49-F238E27FC236}">
-                <a16:creationId xmlns:a16="http://schemas.microsoft.com/office/drawing/2014/main" id="{30BAE2DB-D7FA-4387-CD71-61B1DA4B3096}"/>
+                <a16:creationId xmlns:a16="http://schemas.microsoft.com/office/drawing/2014/main" id="{68DB99DD-D024-B3FA-F665-BB171FB4C1F6}"/>
               </a:ext>
             </a:extLst>
           </p:cNvPr>
@@ -1318,7 +1318,7 @@
           <p:cNvPr id="4" name="内容占位符 3">
             <a:extLst>
               <a:ext uri="{FF2B5EF4-FFF2-40B4-BE49-F238E27FC236}">
-                <a16:creationId xmlns:a16="http://schemas.microsoft.com/office/drawing/2014/main" id="{09EEBB9A-CB12-37D4-8989-E5F8CE059C17}"/>
+                <a16:creationId xmlns:a16="http://schemas.microsoft.com/office/drawing/2014/main" id="{43B40F93-F463-4FD0-39B3-4D4C54AA1006}"/>
               </a:ext>
             </a:extLst>
           </p:cNvPr>
@@ -1380,7 +1380,7 @@
           <p:cNvPr id="5" name="日期占位符 4">
             <a:extLst>
               <a:ext uri="{FF2B5EF4-FFF2-40B4-BE49-F238E27FC236}">
-                <a16:creationId xmlns:a16="http://schemas.microsoft.com/office/drawing/2014/main" id="{055CFDE0-0A4A-1C52-D0FE-F7D4562A4023}"/>
+                <a16:creationId xmlns:a16="http://schemas.microsoft.com/office/drawing/2014/main" id="{4925367F-968E-BD48-2801-44B5E785DBCE}"/>
               </a:ext>
             </a:extLst>
           </p:cNvPr>
@@ -1396,7 +1396,7 @@
           <a:bodyPr/>
           <a:lstStyle/>
           <a:p>
-            <a:fld id="{CEB0F452-9600-4DD7-B609-0DB4B7EDAC1D}" type="datetimeFigureOut">
+            <a:fld id="{9661A6F3-4359-4611-A5F0-0784E6A2370D}" type="datetimeFigureOut">
               <a:rPr lang="zh-CN" altLang="en-US" smtClean="0"/>
               <a:t>2024/3/10</a:t>
             </a:fld>
@@ -1409,7 +1409,7 @@
           <p:cNvPr id="6" name="页脚占位符 5">
             <a:extLst>
               <a:ext uri="{FF2B5EF4-FFF2-40B4-BE49-F238E27FC236}">
-                <a16:creationId xmlns:a16="http://schemas.microsoft.com/office/drawing/2014/main" id="{AC31C421-6BAD-4CFC-58F3-3BC0BB7D8D03}"/>
+                <a16:creationId xmlns:a16="http://schemas.microsoft.com/office/drawing/2014/main" id="{F8AD3534-A651-375C-CFC5-9364FBB19FEF}"/>
               </a:ext>
             </a:extLst>
           </p:cNvPr>
@@ -1434,7 +1434,7 @@
           <p:cNvPr id="7" name="灯片编号占位符 6">
             <a:extLst>
               <a:ext uri="{FF2B5EF4-FFF2-40B4-BE49-F238E27FC236}">
-                <a16:creationId xmlns:a16="http://schemas.microsoft.com/office/drawing/2014/main" id="{90CBC060-9642-B328-669B-06B48862CB62}"/>
+                <a16:creationId xmlns:a16="http://schemas.microsoft.com/office/drawing/2014/main" id="{B7B8A720-D6AE-D50A-E1D2-584686AB483D}"/>
               </a:ext>
             </a:extLst>
           </p:cNvPr>
@@ -1450,7 +1450,7 @@
           <a:bodyPr/>
           <a:lstStyle/>
           <a:p>
-            <a:fld id="{683094CB-5125-4CD9-867F-DA504EFC3988}" type="slidenum">
+            <a:fld id="{9DADFD1E-FF87-432E-BDB7-998FD09003B5}" type="slidenum">
               <a:rPr lang="zh-CN" altLang="en-US" smtClean="0"/>
               <a:t>‹#›</a:t>
             </a:fld>
@@ -1461,7 +1461,7 @@
     </p:spTree>
     <p:extLst>
       <p:ext uri="{BB962C8B-B14F-4D97-AF65-F5344CB8AC3E}">
-        <p14:creationId xmlns:p14="http://schemas.microsoft.com/office/powerpoint/2010/main" val="3511390709"/>
+        <p14:creationId xmlns:p14="http://schemas.microsoft.com/office/powerpoint/2010/main" val="2643617523"/>
       </p:ext>
     </p:extLst>
   </p:cSld>
@@ -1493,7 +1493,7 @@
           <p:cNvPr id="2" name="标题 1">
             <a:extLst>
               <a:ext uri="{FF2B5EF4-FFF2-40B4-BE49-F238E27FC236}">
-                <a16:creationId xmlns:a16="http://schemas.microsoft.com/office/drawing/2014/main" id="{325C7C99-19C8-3531-6BA5-247F84BDC8FE}"/>
+                <a16:creationId xmlns:a16="http://schemas.microsoft.com/office/drawing/2014/main" id="{7E337FE9-4818-9490-CDF7-6EE9C6C56569}"/>
               </a:ext>
             </a:extLst>
           </p:cNvPr>
@@ -1526,7 +1526,7 @@
           <p:cNvPr id="3" name="文本占位符 2">
             <a:extLst>
               <a:ext uri="{FF2B5EF4-FFF2-40B4-BE49-F238E27FC236}">
-                <a16:creationId xmlns:a16="http://schemas.microsoft.com/office/drawing/2014/main" id="{E9910EB4-A40E-13AF-5177-7B53C28734D7}"/>
+                <a16:creationId xmlns:a16="http://schemas.microsoft.com/office/drawing/2014/main" id="{F94910BA-7F59-3D20-8074-15AF98C67ED9}"/>
               </a:ext>
             </a:extLst>
           </p:cNvPr>
@@ -1597,7 +1597,7 @@
           <p:cNvPr id="4" name="内容占位符 3">
             <a:extLst>
               <a:ext uri="{FF2B5EF4-FFF2-40B4-BE49-F238E27FC236}">
-                <a16:creationId xmlns:a16="http://schemas.microsoft.com/office/drawing/2014/main" id="{3DFAF660-AC1F-AD61-57FF-6F606D875E45}"/>
+                <a16:creationId xmlns:a16="http://schemas.microsoft.com/office/drawing/2014/main" id="{EB7F938F-E52A-BB04-76D8-414133FAB92A}"/>
               </a:ext>
             </a:extLst>
           </p:cNvPr>
@@ -1659,7 +1659,7 @@
           <p:cNvPr id="5" name="文本占位符 4">
             <a:extLst>
               <a:ext uri="{FF2B5EF4-FFF2-40B4-BE49-F238E27FC236}">
-                <a16:creationId xmlns:a16="http://schemas.microsoft.com/office/drawing/2014/main" id="{29C15781-DD8E-0210-6FAA-68A9F973A6C5}"/>
+                <a16:creationId xmlns:a16="http://schemas.microsoft.com/office/drawing/2014/main" id="{EE22B6EA-C364-E771-9D6D-CDC5F2E3543F}"/>
               </a:ext>
             </a:extLst>
           </p:cNvPr>
@@ -1730,7 +1730,7 @@
           <p:cNvPr id="6" name="内容占位符 5">
             <a:extLst>
               <a:ext uri="{FF2B5EF4-FFF2-40B4-BE49-F238E27FC236}">
-                <a16:creationId xmlns:a16="http://schemas.microsoft.com/office/drawing/2014/main" id="{F07BAF8E-C7CC-800D-66A3-14150487475F}"/>
+                <a16:creationId xmlns:a16="http://schemas.microsoft.com/office/drawing/2014/main" id="{2F94D004-2D0B-7382-0624-5D831EF0723F}"/>
               </a:ext>
             </a:extLst>
           </p:cNvPr>
@@ -1792,7 +1792,7 @@
           <p:cNvPr id="7" name="日期占位符 6">
             <a:extLst>
               <a:ext uri="{FF2B5EF4-FFF2-40B4-BE49-F238E27FC236}">
-                <a16:creationId xmlns:a16="http://schemas.microsoft.com/office/drawing/2014/main" id="{2FF95383-5578-F61A-9978-875B57200FBF}"/>
+                <a16:creationId xmlns:a16="http://schemas.microsoft.com/office/drawing/2014/main" id="{2E7AD67D-0961-D258-371C-5C6BB4822A19}"/>
               </a:ext>
             </a:extLst>
           </p:cNvPr>
@@ -1808,7 +1808,7 @@
           <a:bodyPr/>
           <a:lstStyle/>
           <a:p>
-            <a:fld id="{CEB0F452-9600-4DD7-B609-0DB4B7EDAC1D}" type="datetimeFigureOut">
+            <a:fld id="{9661A6F3-4359-4611-A5F0-0784E6A2370D}" type="datetimeFigureOut">
               <a:rPr lang="zh-CN" altLang="en-US" smtClean="0"/>
               <a:t>2024/3/10</a:t>
             </a:fld>
@@ -1821,7 +1821,7 @@
           <p:cNvPr id="8" name="页脚占位符 7">
             <a:extLst>
               <a:ext uri="{FF2B5EF4-FFF2-40B4-BE49-F238E27FC236}">
-                <a16:creationId xmlns:a16="http://schemas.microsoft.com/office/drawing/2014/main" id="{74E7A3A7-CA16-A1EA-2FAF-26E9954714F6}"/>
+                <a16:creationId xmlns:a16="http://schemas.microsoft.com/office/drawing/2014/main" id="{3861BFBA-9777-F15B-1FA2-DB15173B0A8E}"/>
               </a:ext>
             </a:extLst>
           </p:cNvPr>
@@ -1846,7 +1846,7 @@
           <p:cNvPr id="9" name="灯片编号占位符 8">
             <a:extLst>
               <a:ext uri="{FF2B5EF4-FFF2-40B4-BE49-F238E27FC236}">
-                <a16:creationId xmlns:a16="http://schemas.microsoft.com/office/drawing/2014/main" id="{AE54BD12-8D2D-A552-AAC1-3268DE2F05A3}"/>
+                <a16:creationId xmlns:a16="http://schemas.microsoft.com/office/drawing/2014/main" id="{90BDF7DC-9B0B-B1AE-B17E-9E524488079B}"/>
               </a:ext>
             </a:extLst>
           </p:cNvPr>
@@ -1862,7 +1862,7 @@
           <a:bodyPr/>
           <a:lstStyle/>
           <a:p>
-            <a:fld id="{683094CB-5125-4CD9-867F-DA504EFC3988}" type="slidenum">
+            <a:fld id="{9DADFD1E-FF87-432E-BDB7-998FD09003B5}" type="slidenum">
               <a:rPr lang="zh-CN" altLang="en-US" smtClean="0"/>
               <a:t>‹#›</a:t>
             </a:fld>
@@ -1873,7 +1873,7 @@
     </p:spTree>
     <p:extLst>
       <p:ext uri="{BB962C8B-B14F-4D97-AF65-F5344CB8AC3E}">
-        <p14:creationId xmlns:p14="http://schemas.microsoft.com/office/powerpoint/2010/main" val="1036410758"/>
+        <p14:creationId xmlns:p14="http://schemas.microsoft.com/office/powerpoint/2010/main" val="983432166"/>
       </p:ext>
     </p:extLst>
   </p:cSld>
@@ -1905,7 +1905,7 @@
           <p:cNvPr id="2" name="标题 1">
             <a:extLst>
               <a:ext uri="{FF2B5EF4-FFF2-40B4-BE49-F238E27FC236}">
-                <a16:creationId xmlns:a16="http://schemas.microsoft.com/office/drawing/2014/main" id="{05015816-2B6F-FBBB-5A03-6631875B392A}"/>
+                <a16:creationId xmlns:a16="http://schemas.microsoft.com/office/drawing/2014/main" id="{2E3D3D65-B2AB-EC3C-9A1E-0977EA7B787C}"/>
               </a:ext>
             </a:extLst>
           </p:cNvPr>
@@ -1933,7 +1933,7 @@
           <p:cNvPr id="3" name="日期占位符 2">
             <a:extLst>
               <a:ext uri="{FF2B5EF4-FFF2-40B4-BE49-F238E27FC236}">
-                <a16:creationId xmlns:a16="http://schemas.microsoft.com/office/drawing/2014/main" id="{E7C7615D-63EA-14C5-1A89-39BE3AA9EFEB}"/>
+                <a16:creationId xmlns:a16="http://schemas.microsoft.com/office/drawing/2014/main" id="{9AFE5FA1-4046-A3A2-ADA8-B59214AE6E8A}"/>
               </a:ext>
             </a:extLst>
           </p:cNvPr>
@@ -1949,7 +1949,7 @@
           <a:bodyPr/>
           <a:lstStyle/>
           <a:p>
-            <a:fld id="{CEB0F452-9600-4DD7-B609-0DB4B7EDAC1D}" type="datetimeFigureOut">
+            <a:fld id="{9661A6F3-4359-4611-A5F0-0784E6A2370D}" type="datetimeFigureOut">
               <a:rPr lang="zh-CN" altLang="en-US" smtClean="0"/>
               <a:t>2024/3/10</a:t>
             </a:fld>
@@ -1962,7 +1962,7 @@
           <p:cNvPr id="4" name="页脚占位符 3">
             <a:extLst>
               <a:ext uri="{FF2B5EF4-FFF2-40B4-BE49-F238E27FC236}">
-                <a16:creationId xmlns:a16="http://schemas.microsoft.com/office/drawing/2014/main" id="{6B3A2955-5F12-2021-7A92-8F99062AA118}"/>
+                <a16:creationId xmlns:a16="http://schemas.microsoft.com/office/drawing/2014/main" id="{CD184F9B-E9FE-FE31-7467-179932C73989}"/>
               </a:ext>
             </a:extLst>
           </p:cNvPr>
@@ -1987,7 +1987,7 @@
           <p:cNvPr id="5" name="灯片编号占位符 4">
             <a:extLst>
               <a:ext uri="{FF2B5EF4-FFF2-40B4-BE49-F238E27FC236}">
-                <a16:creationId xmlns:a16="http://schemas.microsoft.com/office/drawing/2014/main" id="{D3B28B83-C342-C880-3EE3-E485522D0589}"/>
+                <a16:creationId xmlns:a16="http://schemas.microsoft.com/office/drawing/2014/main" id="{3A33BA24-1FE6-9164-1F76-51F94A6B8284}"/>
               </a:ext>
             </a:extLst>
           </p:cNvPr>
@@ -2003,7 +2003,7 @@
           <a:bodyPr/>
           <a:lstStyle/>
           <a:p>
-            <a:fld id="{683094CB-5125-4CD9-867F-DA504EFC3988}" type="slidenum">
+            <a:fld id="{9DADFD1E-FF87-432E-BDB7-998FD09003B5}" type="slidenum">
               <a:rPr lang="zh-CN" altLang="en-US" smtClean="0"/>
               <a:t>‹#›</a:t>
             </a:fld>
@@ -2014,7 +2014,7 @@
     </p:spTree>
     <p:extLst>
       <p:ext uri="{BB962C8B-B14F-4D97-AF65-F5344CB8AC3E}">
-        <p14:creationId xmlns:p14="http://schemas.microsoft.com/office/powerpoint/2010/main" val="2625068920"/>
+        <p14:creationId xmlns:p14="http://schemas.microsoft.com/office/powerpoint/2010/main" val="359300322"/>
       </p:ext>
     </p:extLst>
   </p:cSld>
@@ -2046,7 +2046,7 @@
           <p:cNvPr id="2" name="日期占位符 1">
             <a:extLst>
               <a:ext uri="{FF2B5EF4-FFF2-40B4-BE49-F238E27FC236}">
-                <a16:creationId xmlns:a16="http://schemas.microsoft.com/office/drawing/2014/main" id="{ACD1125F-FA1E-4B5E-79E9-DD5651CAE0F4}"/>
+                <a16:creationId xmlns:a16="http://schemas.microsoft.com/office/drawing/2014/main" id="{9A13A26E-4672-488D-8571-AFE3DBBF5EC4}"/>
               </a:ext>
             </a:extLst>
           </p:cNvPr>
@@ -2062,7 +2062,7 @@
           <a:bodyPr/>
           <a:lstStyle/>
           <a:p>
-            <a:fld id="{CEB0F452-9600-4DD7-B609-0DB4B7EDAC1D}" type="datetimeFigureOut">
+            <a:fld id="{9661A6F3-4359-4611-A5F0-0784E6A2370D}" type="datetimeFigureOut">
               <a:rPr lang="zh-CN" altLang="en-US" smtClean="0"/>
               <a:t>2024/3/10</a:t>
             </a:fld>
@@ -2075,7 +2075,7 @@
           <p:cNvPr id="3" name="页脚占位符 2">
             <a:extLst>
               <a:ext uri="{FF2B5EF4-FFF2-40B4-BE49-F238E27FC236}">
-                <a16:creationId xmlns:a16="http://schemas.microsoft.com/office/drawing/2014/main" id="{8F065C5B-3FCF-D046-058E-249C0D83E15E}"/>
+                <a16:creationId xmlns:a16="http://schemas.microsoft.com/office/drawing/2014/main" id="{719489AD-0134-FD0E-A0E1-EE2A5209C31A}"/>
               </a:ext>
             </a:extLst>
           </p:cNvPr>
@@ -2100,7 +2100,7 @@
           <p:cNvPr id="4" name="灯片编号占位符 3">
             <a:extLst>
               <a:ext uri="{FF2B5EF4-FFF2-40B4-BE49-F238E27FC236}">
-                <a16:creationId xmlns:a16="http://schemas.microsoft.com/office/drawing/2014/main" id="{144F10FD-F4E5-71FB-703B-2C09D6FCA12A}"/>
+                <a16:creationId xmlns:a16="http://schemas.microsoft.com/office/drawing/2014/main" id="{7B70DAA7-EB71-8A88-6DE4-65DFDADF4A2D}"/>
               </a:ext>
             </a:extLst>
           </p:cNvPr>
@@ -2116,7 +2116,7 @@
           <a:bodyPr/>
           <a:lstStyle/>
           <a:p>
-            <a:fld id="{683094CB-5125-4CD9-867F-DA504EFC3988}" type="slidenum">
+            <a:fld id="{9DADFD1E-FF87-432E-BDB7-998FD09003B5}" type="slidenum">
               <a:rPr lang="zh-CN" altLang="en-US" smtClean="0"/>
               <a:t>‹#›</a:t>
             </a:fld>
@@ -2127,7 +2127,7 @@
     </p:spTree>
     <p:extLst>
       <p:ext uri="{BB962C8B-B14F-4D97-AF65-F5344CB8AC3E}">
-        <p14:creationId xmlns:p14="http://schemas.microsoft.com/office/powerpoint/2010/main" val="1200972801"/>
+        <p14:creationId xmlns:p14="http://schemas.microsoft.com/office/powerpoint/2010/main" val="3517721276"/>
       </p:ext>
     </p:extLst>
   </p:cSld>
@@ -2159,7 +2159,7 @@
           <p:cNvPr id="2" name="标题 1">
             <a:extLst>
               <a:ext uri="{FF2B5EF4-FFF2-40B4-BE49-F238E27FC236}">
-                <a16:creationId xmlns:a16="http://schemas.microsoft.com/office/drawing/2014/main" id="{825BD1AE-B329-1AC4-A000-7ED7E72A7B06}"/>
+                <a16:creationId xmlns:a16="http://schemas.microsoft.com/office/drawing/2014/main" id="{234FC11E-4773-0DEE-B391-77D57499EC31}"/>
               </a:ext>
             </a:extLst>
           </p:cNvPr>
@@ -2196,7 +2196,7 @@
           <p:cNvPr id="3" name="内容占位符 2">
             <a:extLst>
               <a:ext uri="{FF2B5EF4-FFF2-40B4-BE49-F238E27FC236}">
-                <a16:creationId xmlns:a16="http://schemas.microsoft.com/office/drawing/2014/main" id="{6EEE36C9-3A48-A809-1715-98B988952617}"/>
+                <a16:creationId xmlns:a16="http://schemas.microsoft.com/office/drawing/2014/main" id="{B73AF263-D7C1-E778-530E-9919480E5452}"/>
               </a:ext>
             </a:extLst>
           </p:cNvPr>
@@ -2286,7 +2286,7 @@
           <p:cNvPr id="4" name="文本占位符 3">
             <a:extLst>
               <a:ext uri="{FF2B5EF4-FFF2-40B4-BE49-F238E27FC236}">
-                <a16:creationId xmlns:a16="http://schemas.microsoft.com/office/drawing/2014/main" id="{F6B4AE84-029C-2996-7877-48AE98827E30}"/>
+                <a16:creationId xmlns:a16="http://schemas.microsoft.com/office/drawing/2014/main" id="{538A29D7-E6BE-9063-C705-FAA6BB3DCFAA}"/>
               </a:ext>
             </a:extLst>
           </p:cNvPr>
@@ -2357,7 +2357,7 @@
           <p:cNvPr id="5" name="日期占位符 4">
             <a:extLst>
               <a:ext uri="{FF2B5EF4-FFF2-40B4-BE49-F238E27FC236}">
-                <a16:creationId xmlns:a16="http://schemas.microsoft.com/office/drawing/2014/main" id="{BB5BF909-3A12-F3D2-8C51-F3CAC034A8BF}"/>
+                <a16:creationId xmlns:a16="http://schemas.microsoft.com/office/drawing/2014/main" id="{19AA87E2-20F7-F7E0-84E2-8C97092C0066}"/>
               </a:ext>
             </a:extLst>
           </p:cNvPr>
@@ -2373,7 +2373,7 @@
           <a:bodyPr/>
           <a:lstStyle/>
           <a:p>
-            <a:fld id="{CEB0F452-9600-4DD7-B609-0DB4B7EDAC1D}" type="datetimeFigureOut">
+            <a:fld id="{9661A6F3-4359-4611-A5F0-0784E6A2370D}" type="datetimeFigureOut">
               <a:rPr lang="zh-CN" altLang="en-US" smtClean="0"/>
               <a:t>2024/3/10</a:t>
             </a:fld>
@@ -2386,7 +2386,7 @@
           <p:cNvPr id="6" name="页脚占位符 5">
             <a:extLst>
               <a:ext uri="{FF2B5EF4-FFF2-40B4-BE49-F238E27FC236}">
-                <a16:creationId xmlns:a16="http://schemas.microsoft.com/office/drawing/2014/main" id="{D4F86B1B-FD41-B676-AF38-75085A5995AC}"/>
+                <a16:creationId xmlns:a16="http://schemas.microsoft.com/office/drawing/2014/main" id="{06379E87-3D6C-4A36-EA25-991665F6ACAA}"/>
               </a:ext>
             </a:extLst>
           </p:cNvPr>
@@ -2411,7 +2411,7 @@
           <p:cNvPr id="7" name="灯片编号占位符 6">
             <a:extLst>
               <a:ext uri="{FF2B5EF4-FFF2-40B4-BE49-F238E27FC236}">
-                <a16:creationId xmlns:a16="http://schemas.microsoft.com/office/drawing/2014/main" id="{CCFAAC65-CEB1-6E4A-C0F0-87A903D76887}"/>
+                <a16:creationId xmlns:a16="http://schemas.microsoft.com/office/drawing/2014/main" id="{B4175CC6-7192-43E5-83FC-16D2AD81F05C}"/>
               </a:ext>
             </a:extLst>
           </p:cNvPr>
@@ -2427,7 +2427,7 @@
           <a:bodyPr/>
           <a:lstStyle/>
           <a:p>
-            <a:fld id="{683094CB-5125-4CD9-867F-DA504EFC3988}" type="slidenum">
+            <a:fld id="{9DADFD1E-FF87-432E-BDB7-998FD09003B5}" type="slidenum">
               <a:rPr lang="zh-CN" altLang="en-US" smtClean="0"/>
               <a:t>‹#›</a:t>
             </a:fld>
@@ -2438,7 +2438,7 @@
     </p:spTree>
     <p:extLst>
       <p:ext uri="{BB962C8B-B14F-4D97-AF65-F5344CB8AC3E}">
-        <p14:creationId xmlns:p14="http://schemas.microsoft.com/office/powerpoint/2010/main" val="714650232"/>
+        <p14:creationId xmlns:p14="http://schemas.microsoft.com/office/powerpoint/2010/main" val="1299024953"/>
       </p:ext>
     </p:extLst>
   </p:cSld>
@@ -2470,7 +2470,7 @@
           <p:cNvPr id="2" name="标题 1">
             <a:extLst>
               <a:ext uri="{FF2B5EF4-FFF2-40B4-BE49-F238E27FC236}">
-                <a16:creationId xmlns:a16="http://schemas.microsoft.com/office/drawing/2014/main" id="{841DB513-6559-501D-FB84-7B30D91B3F0D}"/>
+                <a16:creationId xmlns:a16="http://schemas.microsoft.com/office/drawing/2014/main" id="{2A39CD53-066E-B44E-6F1D-20703B2E221A}"/>
               </a:ext>
             </a:extLst>
           </p:cNvPr>
@@ -2507,7 +2507,7 @@
           <p:cNvPr id="3" name="图片占位符 2">
             <a:extLst>
               <a:ext uri="{FF2B5EF4-FFF2-40B4-BE49-F238E27FC236}">
-                <a16:creationId xmlns:a16="http://schemas.microsoft.com/office/drawing/2014/main" id="{BE57370B-754E-661B-3E54-2A69DD8733BF}"/>
+                <a16:creationId xmlns:a16="http://schemas.microsoft.com/office/drawing/2014/main" id="{D568E6F5-CAA2-F3DE-0708-14F2128CAA7E}"/>
               </a:ext>
             </a:extLst>
           </p:cNvPr>
@@ -2574,7 +2574,7 @@
           <p:cNvPr id="4" name="文本占位符 3">
             <a:extLst>
               <a:ext uri="{FF2B5EF4-FFF2-40B4-BE49-F238E27FC236}">
-                <a16:creationId xmlns:a16="http://schemas.microsoft.com/office/drawing/2014/main" id="{01CCBB95-011D-4EC5-9FD3-AD264C79FEEE}"/>
+                <a16:creationId xmlns:a16="http://schemas.microsoft.com/office/drawing/2014/main" id="{B26A11C9-7051-24F1-F5DF-35EB3C96A843}"/>
               </a:ext>
             </a:extLst>
           </p:cNvPr>
@@ -2645,7 +2645,7 @@
           <p:cNvPr id="5" name="日期占位符 4">
             <a:extLst>
               <a:ext uri="{FF2B5EF4-FFF2-40B4-BE49-F238E27FC236}">
-                <a16:creationId xmlns:a16="http://schemas.microsoft.com/office/drawing/2014/main" id="{F6203DA2-7386-082C-35A6-1DF96B5E29B3}"/>
+                <a16:creationId xmlns:a16="http://schemas.microsoft.com/office/drawing/2014/main" id="{4F3C96FC-528B-9C0A-CDC0-2029AF4D91E4}"/>
               </a:ext>
             </a:extLst>
           </p:cNvPr>
@@ -2661,7 +2661,7 @@
           <a:bodyPr/>
           <a:lstStyle/>
           <a:p>
-            <a:fld id="{CEB0F452-9600-4DD7-B609-0DB4B7EDAC1D}" type="datetimeFigureOut">
+            <a:fld id="{9661A6F3-4359-4611-A5F0-0784E6A2370D}" type="datetimeFigureOut">
               <a:rPr lang="zh-CN" altLang="en-US" smtClean="0"/>
               <a:t>2024/3/10</a:t>
             </a:fld>
@@ -2674,7 +2674,7 @@
           <p:cNvPr id="6" name="页脚占位符 5">
             <a:extLst>
               <a:ext uri="{FF2B5EF4-FFF2-40B4-BE49-F238E27FC236}">
-                <a16:creationId xmlns:a16="http://schemas.microsoft.com/office/drawing/2014/main" id="{0E8F0939-F5D3-D7FE-ED51-88CF33923365}"/>
+                <a16:creationId xmlns:a16="http://schemas.microsoft.com/office/drawing/2014/main" id="{45316225-EB71-5B39-DD79-3F36050F7DEE}"/>
               </a:ext>
             </a:extLst>
           </p:cNvPr>
@@ -2699,7 +2699,7 @@
           <p:cNvPr id="7" name="灯片编号占位符 6">
             <a:extLst>
               <a:ext uri="{FF2B5EF4-FFF2-40B4-BE49-F238E27FC236}">
-                <a16:creationId xmlns:a16="http://schemas.microsoft.com/office/drawing/2014/main" id="{16455ED9-0811-1D74-15BB-FAD09DC8BB61}"/>
+                <a16:creationId xmlns:a16="http://schemas.microsoft.com/office/drawing/2014/main" id="{F39060D8-D689-33B4-E443-D13F034F23F6}"/>
               </a:ext>
             </a:extLst>
           </p:cNvPr>
@@ -2715,7 +2715,7 @@
           <a:bodyPr/>
           <a:lstStyle/>
           <a:p>
-            <a:fld id="{683094CB-5125-4CD9-867F-DA504EFC3988}" type="slidenum">
+            <a:fld id="{9DADFD1E-FF87-432E-BDB7-998FD09003B5}" type="slidenum">
               <a:rPr lang="zh-CN" altLang="en-US" smtClean="0"/>
               <a:t>‹#›</a:t>
             </a:fld>
@@ -2726,7 +2726,7 @@
     </p:spTree>
     <p:extLst>
       <p:ext uri="{BB962C8B-B14F-4D97-AF65-F5344CB8AC3E}">
-        <p14:creationId xmlns:p14="http://schemas.microsoft.com/office/powerpoint/2010/main" val="1722434614"/>
+        <p14:creationId xmlns:p14="http://schemas.microsoft.com/office/powerpoint/2010/main" val="2993942118"/>
       </p:ext>
     </p:extLst>
   </p:cSld>
@@ -2763,7 +2763,7 @@
           <p:cNvPr id="2" name="标题占位符 1">
             <a:extLst>
               <a:ext uri="{FF2B5EF4-FFF2-40B4-BE49-F238E27FC236}">
-                <a16:creationId xmlns:a16="http://schemas.microsoft.com/office/drawing/2014/main" id="{D4D69AD1-D0FF-23E7-02F9-29D0A8805A34}"/>
+                <a16:creationId xmlns:a16="http://schemas.microsoft.com/office/drawing/2014/main" id="{A6727637-0037-0E16-FE33-5165D023D23C}"/>
               </a:ext>
             </a:extLst>
           </p:cNvPr>
@@ -2801,7 +2801,7 @@
           <p:cNvPr id="3" name="文本占位符 2">
             <a:extLst>
               <a:ext uri="{FF2B5EF4-FFF2-40B4-BE49-F238E27FC236}">
-                <a16:creationId xmlns:a16="http://schemas.microsoft.com/office/drawing/2014/main" id="{09EC902B-DFFC-4D63-FBA5-FE9554440B84}"/>
+                <a16:creationId xmlns:a16="http://schemas.microsoft.com/office/drawing/2014/main" id="{3224798D-C338-B314-DF65-3AC68F32EF39}"/>
               </a:ext>
             </a:extLst>
           </p:cNvPr>
@@ -2868,7 +2868,7 @@
           <p:cNvPr id="4" name="日期占位符 3">
             <a:extLst>
               <a:ext uri="{FF2B5EF4-FFF2-40B4-BE49-F238E27FC236}">
-                <a16:creationId xmlns:a16="http://schemas.microsoft.com/office/drawing/2014/main" id="{171D9B3C-0C48-ADB1-BCCE-CC0A6942987D}"/>
+                <a16:creationId xmlns:a16="http://schemas.microsoft.com/office/drawing/2014/main" id="{6E9AE151-BEE8-E1B9-89A3-C59E102F2D67}"/>
               </a:ext>
             </a:extLst>
           </p:cNvPr>
@@ -2902,7 +2902,7 @@
             </a:lvl1pPr>
           </a:lstStyle>
           <a:p>
-            <a:fld id="{CEB0F452-9600-4DD7-B609-0DB4B7EDAC1D}" type="datetimeFigureOut">
+            <a:fld id="{9661A6F3-4359-4611-A5F0-0784E6A2370D}" type="datetimeFigureOut">
               <a:rPr lang="zh-CN" altLang="en-US" smtClean="0"/>
               <a:t>2024/3/10</a:t>
             </a:fld>
@@ -2915,7 +2915,7 @@
           <p:cNvPr id="5" name="页脚占位符 4">
             <a:extLst>
               <a:ext uri="{FF2B5EF4-FFF2-40B4-BE49-F238E27FC236}">
-                <a16:creationId xmlns:a16="http://schemas.microsoft.com/office/drawing/2014/main" id="{44295901-E6D9-15AB-64CC-DB083EECE691}"/>
+                <a16:creationId xmlns:a16="http://schemas.microsoft.com/office/drawing/2014/main" id="{0B5FE275-CAA4-0090-B307-DB24FBE9C110}"/>
               </a:ext>
             </a:extLst>
           </p:cNvPr>
@@ -2958,7 +2958,7 @@
           <p:cNvPr id="6" name="灯片编号占位符 5">
             <a:extLst>
               <a:ext uri="{FF2B5EF4-FFF2-40B4-BE49-F238E27FC236}">
-                <a16:creationId xmlns:a16="http://schemas.microsoft.com/office/drawing/2014/main" id="{CD155AE1-1F15-2050-E1AD-4C65AD238E06}"/>
+                <a16:creationId xmlns:a16="http://schemas.microsoft.com/office/drawing/2014/main" id="{DA927EAC-9906-1BFB-FF76-E9493BB8E969}"/>
               </a:ext>
             </a:extLst>
           </p:cNvPr>
@@ -2992,7 +2992,7 @@
             </a:lvl1pPr>
           </a:lstStyle>
           <a:p>
-            <a:fld id="{683094CB-5125-4CD9-867F-DA504EFC3988}" type="slidenum">
+            <a:fld id="{9DADFD1E-FF87-432E-BDB7-998FD09003B5}" type="slidenum">
               <a:rPr lang="zh-CN" altLang="en-US" smtClean="0"/>
               <a:t>‹#›</a:t>
             </a:fld>
@@ -3003,7 +3003,7 @@
     </p:spTree>
     <p:extLst>
       <p:ext uri="{BB962C8B-B14F-4D97-AF65-F5344CB8AC3E}">
-        <p14:creationId xmlns:p14="http://schemas.microsoft.com/office/powerpoint/2010/main" val="2707620830"/>
+        <p14:creationId xmlns:p14="http://schemas.microsoft.com/office/powerpoint/2010/main" val="1155245882"/>
       </p:ext>
     </p:extLst>
   </p:cSld>
